--- a/docs/diagrams/LogicCommandCardPackage.pptx
+++ b/docs/diagrams/LogicCommandCardPackage.pptx
@@ -197,7 +197,7 @@
           <a:p>
             <a:fld id="{1661B331-AB90-4B3E-BBBB-ADB86C3B3C53}" type="datetimeFigureOut">
               <a:rPr lang="en-SG" smtClean="0"/>
-              <a:t>22/10/2019</a:t>
+              <a:t>24/10/2019</a:t>
             </a:fld>
             <a:endParaRPr lang="en-SG"/>
           </a:p>
@@ -698,7 +698,7 @@
           <a:p>
             <a:fld id="{8E48A44F-7FCA-E248-9F13-647A0016D148}" type="datetimeFigureOut">
               <a:rPr lang="en-US" smtClean="0"/>
-              <a:t>10/22/2019</a:t>
+              <a:t>10/24/2019</a:t>
             </a:fld>
             <a:endParaRPr lang="en-US"/>
           </a:p>
@@ -898,7 +898,7 @@
           <a:p>
             <a:fld id="{8E48A44F-7FCA-E248-9F13-647A0016D148}" type="datetimeFigureOut">
               <a:rPr lang="en-US" smtClean="0"/>
-              <a:t>10/22/2019</a:t>
+              <a:t>10/24/2019</a:t>
             </a:fld>
             <a:endParaRPr lang="en-US"/>
           </a:p>
@@ -1108,7 +1108,7 @@
           <a:p>
             <a:fld id="{8E48A44F-7FCA-E248-9F13-647A0016D148}" type="datetimeFigureOut">
               <a:rPr lang="en-US" smtClean="0"/>
-              <a:t>10/22/2019</a:t>
+              <a:t>10/24/2019</a:t>
             </a:fld>
             <a:endParaRPr lang="en-US"/>
           </a:p>
@@ -1308,7 +1308,7 @@
           <a:p>
             <a:fld id="{8E48A44F-7FCA-E248-9F13-647A0016D148}" type="datetimeFigureOut">
               <a:rPr lang="en-US" smtClean="0"/>
-              <a:t>10/22/2019</a:t>
+              <a:t>10/24/2019</a:t>
             </a:fld>
             <a:endParaRPr lang="en-US"/>
           </a:p>
@@ -1584,7 +1584,7 @@
           <a:p>
             <a:fld id="{8E48A44F-7FCA-E248-9F13-647A0016D148}" type="datetimeFigureOut">
               <a:rPr lang="en-US" smtClean="0"/>
-              <a:t>10/22/2019</a:t>
+              <a:t>10/24/2019</a:t>
             </a:fld>
             <a:endParaRPr lang="en-US"/>
           </a:p>
@@ -1852,7 +1852,7 @@
           <a:p>
             <a:fld id="{8E48A44F-7FCA-E248-9F13-647A0016D148}" type="datetimeFigureOut">
               <a:rPr lang="en-US" smtClean="0"/>
-              <a:t>10/22/2019</a:t>
+              <a:t>10/24/2019</a:t>
             </a:fld>
             <a:endParaRPr lang="en-US"/>
           </a:p>
@@ -2267,7 +2267,7 @@
           <a:p>
             <a:fld id="{8E48A44F-7FCA-E248-9F13-647A0016D148}" type="datetimeFigureOut">
               <a:rPr lang="en-US" smtClean="0"/>
-              <a:t>10/22/2019</a:t>
+              <a:t>10/24/2019</a:t>
             </a:fld>
             <a:endParaRPr lang="en-US"/>
           </a:p>
@@ -2409,7 +2409,7 @@
           <a:p>
             <a:fld id="{8E48A44F-7FCA-E248-9F13-647A0016D148}" type="datetimeFigureOut">
               <a:rPr lang="en-US" smtClean="0"/>
-              <a:t>10/22/2019</a:t>
+              <a:t>10/24/2019</a:t>
             </a:fld>
             <a:endParaRPr lang="en-US"/>
           </a:p>
@@ -2522,7 +2522,7 @@
           <a:p>
             <a:fld id="{8E48A44F-7FCA-E248-9F13-647A0016D148}" type="datetimeFigureOut">
               <a:rPr lang="en-US" smtClean="0"/>
-              <a:t>10/22/2019</a:t>
+              <a:t>10/24/2019</a:t>
             </a:fld>
             <a:endParaRPr lang="en-US"/>
           </a:p>
@@ -2835,7 +2835,7 @@
           <a:p>
             <a:fld id="{8E48A44F-7FCA-E248-9F13-647A0016D148}" type="datetimeFigureOut">
               <a:rPr lang="en-US" smtClean="0"/>
-              <a:t>10/22/2019</a:t>
+              <a:t>10/24/2019</a:t>
             </a:fld>
             <a:endParaRPr lang="en-US"/>
           </a:p>
@@ -3124,7 +3124,7 @@
           <a:p>
             <a:fld id="{8E48A44F-7FCA-E248-9F13-647A0016D148}" type="datetimeFigureOut">
               <a:rPr lang="en-US" smtClean="0"/>
-              <a:t>10/22/2019</a:t>
+              <a:t>10/24/2019</a:t>
             </a:fld>
             <a:endParaRPr lang="en-US"/>
           </a:p>
@@ -3367,7 +3367,7 @@
           <a:p>
             <a:fld id="{8E48A44F-7FCA-E248-9F13-647A0016D148}" type="datetimeFigureOut">
               <a:rPr lang="en-US" smtClean="0"/>
-              <a:t>10/22/2019</a:t>
+              <a:t>10/24/2019</a:t>
             </a:fld>
             <a:endParaRPr lang="en-US"/>
           </a:p>
@@ -4199,7 +4199,7 @@
           </p:nvSpPr>
           <p:spPr>
             <a:xfrm>
-              <a:off x="4430940" y="2631613"/>
+              <a:off x="6818540" y="2631613"/>
               <a:ext cx="1982688" cy="369332"/>
             </a:xfrm>
             <a:prstGeom prst="roundRect">
@@ -4238,7 +4238,7 @@
             <a:p>
               <a:pPr algn="ctr"/>
               <a:r>
-                <a:rPr lang="en-US" sz="1300">
+                <a:rPr lang="en-US" sz="1300" dirty="0" err="1">
                   <a:solidFill>
                     <a:schemeClr val="tx1"/>
                   </a:solidFill>
@@ -4247,6 +4247,13 @@
                 </a:rPr>
                 <a:t>DeleteCardCommand</a:t>
               </a:r>
+              <a:endParaRPr lang="en-US" sz="1300" dirty="0">
+                <a:solidFill>
+                  <a:schemeClr val="tx1"/>
+                </a:solidFill>
+                <a:latin typeface="Arial" panose="020B0604020202020204" pitchFamily="34" charset="0"/>
+                <a:cs typeface="Arial" panose="020B0604020202020204" pitchFamily="34" charset="0"/>
+              </a:endParaRPr>
             </a:p>
           </p:txBody>
         </p:sp>
@@ -4264,7 +4271,7 @@
           </p:nvSpPr>
           <p:spPr>
             <a:xfrm>
-              <a:off x="6777900" y="2628272"/>
+              <a:off x="4447494" y="2625895"/>
               <a:ext cx="1982688" cy="369332"/>
             </a:xfrm>
             <a:prstGeom prst="roundRect">
@@ -4303,7 +4310,7 @@
             <a:p>
               <a:pPr algn="ctr"/>
               <a:r>
-                <a:rPr lang="en-US" sz="1300" err="1">
+                <a:rPr lang="en-US" sz="1300" dirty="0" err="1">
                   <a:solidFill>
                     <a:schemeClr val="tx1"/>
                   </a:solidFill>
@@ -4312,7 +4319,7 @@
                 </a:rPr>
                 <a:t>EditCardCommand</a:t>
               </a:r>
-              <a:endParaRPr lang="en-US" sz="1300">
+              <a:endParaRPr lang="en-US" sz="1300" dirty="0">
                 <a:solidFill>
                   <a:schemeClr val="tx1"/>
                 </a:solidFill>
@@ -4575,7 +4582,7 @@
           </p:nvCxnSpPr>
           <p:spPr>
             <a:xfrm flipV="1">
-              <a:off x="5422284" y="2254470"/>
+              <a:off x="7809884" y="2254470"/>
               <a:ext cx="0" cy="377143"/>
             </a:xfrm>
             <a:prstGeom prst="line">
@@ -4614,7 +4621,7 @@
           </p:nvCxnSpPr>
           <p:spPr>
             <a:xfrm flipV="1">
-              <a:off x="7769244" y="2247003"/>
+              <a:off x="5438838" y="2244626"/>
               <a:ext cx="0" cy="381269"/>
             </a:xfrm>
             <a:prstGeom prst="line">

--- a/docs/diagrams/LogicCommandCardPackage.pptx
+++ b/docs/diagrams/LogicCommandCardPackage.pptx
@@ -197,7 +197,7 @@
           <a:p>
             <a:fld id="{1661B331-AB90-4B3E-BBBB-ADB86C3B3C53}" type="datetimeFigureOut">
               <a:rPr lang="en-SG" smtClean="0"/>
-              <a:t>24/10/2019</a:t>
+              <a:t>31/10/19</a:t>
             </a:fld>
             <a:endParaRPr lang="en-SG"/>
           </a:p>
@@ -698,7 +698,7 @@
           <a:p>
             <a:fld id="{8E48A44F-7FCA-E248-9F13-647A0016D148}" type="datetimeFigureOut">
               <a:rPr lang="en-US" smtClean="0"/>
-              <a:t>10/24/2019</a:t>
+              <a:t>10/31/19</a:t>
             </a:fld>
             <a:endParaRPr lang="en-US"/>
           </a:p>
@@ -898,7 +898,7 @@
           <a:p>
             <a:fld id="{8E48A44F-7FCA-E248-9F13-647A0016D148}" type="datetimeFigureOut">
               <a:rPr lang="en-US" smtClean="0"/>
-              <a:t>10/24/2019</a:t>
+              <a:t>10/31/19</a:t>
             </a:fld>
             <a:endParaRPr lang="en-US"/>
           </a:p>
@@ -1108,7 +1108,7 @@
           <a:p>
             <a:fld id="{8E48A44F-7FCA-E248-9F13-647A0016D148}" type="datetimeFigureOut">
               <a:rPr lang="en-US" smtClean="0"/>
-              <a:t>10/24/2019</a:t>
+              <a:t>10/31/19</a:t>
             </a:fld>
             <a:endParaRPr lang="en-US"/>
           </a:p>
@@ -1308,7 +1308,7 @@
           <a:p>
             <a:fld id="{8E48A44F-7FCA-E248-9F13-647A0016D148}" type="datetimeFigureOut">
               <a:rPr lang="en-US" smtClean="0"/>
-              <a:t>10/24/2019</a:t>
+              <a:t>10/31/19</a:t>
             </a:fld>
             <a:endParaRPr lang="en-US"/>
           </a:p>
@@ -1584,7 +1584,7 @@
           <a:p>
             <a:fld id="{8E48A44F-7FCA-E248-9F13-647A0016D148}" type="datetimeFigureOut">
               <a:rPr lang="en-US" smtClean="0"/>
-              <a:t>10/24/2019</a:t>
+              <a:t>10/31/19</a:t>
             </a:fld>
             <a:endParaRPr lang="en-US"/>
           </a:p>
@@ -1852,7 +1852,7 @@
           <a:p>
             <a:fld id="{8E48A44F-7FCA-E248-9F13-647A0016D148}" type="datetimeFigureOut">
               <a:rPr lang="en-US" smtClean="0"/>
-              <a:t>10/24/2019</a:t>
+              <a:t>10/31/19</a:t>
             </a:fld>
             <a:endParaRPr lang="en-US"/>
           </a:p>
@@ -2267,7 +2267,7 @@
           <a:p>
             <a:fld id="{8E48A44F-7FCA-E248-9F13-647A0016D148}" type="datetimeFigureOut">
               <a:rPr lang="en-US" smtClean="0"/>
-              <a:t>10/24/2019</a:t>
+              <a:t>10/31/19</a:t>
             </a:fld>
             <a:endParaRPr lang="en-US"/>
           </a:p>
@@ -2409,7 +2409,7 @@
           <a:p>
             <a:fld id="{8E48A44F-7FCA-E248-9F13-647A0016D148}" type="datetimeFigureOut">
               <a:rPr lang="en-US" smtClean="0"/>
-              <a:t>10/24/2019</a:t>
+              <a:t>10/31/19</a:t>
             </a:fld>
             <a:endParaRPr lang="en-US"/>
           </a:p>
@@ -2522,7 +2522,7 @@
           <a:p>
             <a:fld id="{8E48A44F-7FCA-E248-9F13-647A0016D148}" type="datetimeFigureOut">
               <a:rPr lang="en-US" smtClean="0"/>
-              <a:t>10/24/2019</a:t>
+              <a:t>10/31/19</a:t>
             </a:fld>
             <a:endParaRPr lang="en-US"/>
           </a:p>
@@ -2835,7 +2835,7 @@
           <a:p>
             <a:fld id="{8E48A44F-7FCA-E248-9F13-647A0016D148}" type="datetimeFigureOut">
               <a:rPr lang="en-US" smtClean="0"/>
-              <a:t>10/24/2019</a:t>
+              <a:t>10/31/19</a:t>
             </a:fld>
             <a:endParaRPr lang="en-US"/>
           </a:p>
@@ -3124,7 +3124,7 @@
           <a:p>
             <a:fld id="{8E48A44F-7FCA-E248-9F13-647A0016D148}" type="datetimeFigureOut">
               <a:rPr lang="en-US" smtClean="0"/>
-              <a:t>10/24/2019</a:t>
+              <a:t>10/31/19</a:t>
             </a:fld>
             <a:endParaRPr lang="en-US"/>
           </a:p>
@@ -3367,7 +3367,7 @@
           <a:p>
             <a:fld id="{8E48A44F-7FCA-E248-9F13-647A0016D148}" type="datetimeFigureOut">
               <a:rPr lang="en-US" smtClean="0"/>
-              <a:t>10/24/2019</a:t>
+              <a:t>10/31/19</a:t>
             </a:fld>
             <a:endParaRPr lang="en-US"/>
           </a:p>
@@ -3786,10 +3786,10 @@
       </p:grpSpPr>
       <p:grpSp>
         <p:nvGrpSpPr>
-          <p:cNvPr id="2" name="Group 1">
-            <a:extLst>
-              <a:ext uri="{FF2B5EF4-FFF2-40B4-BE49-F238E27FC236}">
-                <a16:creationId xmlns:a16="http://schemas.microsoft.com/office/drawing/2014/main" id="{86767309-C7FB-4447-A5AE-86EE51FC7156}"/>
+          <p:cNvPr id="28" name="Group 27">
+            <a:extLst>
+              <a:ext uri="{FF2B5EF4-FFF2-40B4-BE49-F238E27FC236}">
+                <a16:creationId xmlns:a16="http://schemas.microsoft.com/office/drawing/2014/main" id="{70EEDA7E-3FB5-7E41-9C0A-F80FD60FFC3A}"/>
               </a:ext>
             </a:extLst>
           </p:cNvPr>
@@ -3806,10 +3806,10 @@
         </p:grpSpPr>
         <p:sp>
           <p:nvSpPr>
-            <p:cNvPr id="55" name="Rounded Rectangle 145">
+            <p:cNvPr id="29" name="Rounded Rectangle 145">
               <a:extLst>
                 <a:ext uri="{FF2B5EF4-FFF2-40B4-BE49-F238E27FC236}">
-                  <a16:creationId xmlns:a16="http://schemas.microsoft.com/office/drawing/2014/main" id="{B90B093E-61DD-4276-86F1-FF57ECD0CD3D}"/>
+                  <a16:creationId xmlns:a16="http://schemas.microsoft.com/office/drawing/2014/main" id="{1D6DD81D-7BA7-E946-9211-7A4CF759E755}"/>
                 </a:ext>
               </a:extLst>
             </p:cNvPr>
@@ -3869,178 +3869,10 @@
         </p:sp>
         <p:sp>
           <p:nvSpPr>
-            <p:cNvPr id="114" name="TextBox 113">
+            <p:cNvPr id="30" name="Rounded Rectangle 14">
               <a:extLst>
                 <a:ext uri="{FF2B5EF4-FFF2-40B4-BE49-F238E27FC236}">
-                  <a16:creationId xmlns:a16="http://schemas.microsoft.com/office/drawing/2014/main" id="{17298479-E675-4BC0-A8E2-E0C55B489B0B}"/>
-                </a:ext>
-              </a:extLst>
-            </p:cNvPr>
-            <p:cNvSpPr txBox="1"/>
-            <p:nvPr/>
-          </p:nvSpPr>
-          <p:spPr>
-            <a:xfrm>
-              <a:off x="1303421" y="248117"/>
-              <a:ext cx="3227358" cy="369332"/>
-            </a:xfrm>
-            <a:prstGeom prst="rect">
-              <a:avLst/>
-            </a:prstGeom>
-            <a:noFill/>
-          </p:spPr>
-          <p:txBody>
-            <a:bodyPr wrap="none" rtlCol="0">
-              <a:spAutoFit/>
-            </a:bodyPr>
-            <a:lstStyle/>
-            <a:p>
-              <a:r>
-                <a:rPr lang="en-US" b="1"/>
-                <a:t>Logic, Command, Card Package</a:t>
-              </a:r>
-            </a:p>
-          </p:txBody>
-        </p:sp>
-        <p:sp>
-          <p:nvSpPr>
-            <p:cNvPr id="26" name="Rounded Rectangle 144">
-              <a:extLst>
-                <a:ext uri="{FF2B5EF4-FFF2-40B4-BE49-F238E27FC236}">
-                  <a16:creationId xmlns:a16="http://schemas.microsoft.com/office/drawing/2014/main" id="{0771A240-A5D8-4093-A18A-5AC912607234}"/>
-                </a:ext>
-              </a:extLst>
-            </p:cNvPr>
-            <p:cNvSpPr/>
-            <p:nvPr/>
-          </p:nvSpPr>
-          <p:spPr>
-            <a:xfrm>
-              <a:off x="1303421" y="6000533"/>
-              <a:ext cx="10483775" cy="529662"/>
-            </a:xfrm>
-            <a:prstGeom prst="roundRect">
-              <a:avLst/>
-            </a:prstGeom>
-            <a:solidFill>
-              <a:schemeClr val="accent5">
-                <a:lumMod val="60000"/>
-                <a:lumOff val="40000"/>
-              </a:schemeClr>
-            </a:solidFill>
-            <a:ln>
-              <a:noFill/>
-            </a:ln>
-          </p:spPr>
-          <p:style>
-            <a:lnRef idx="2">
-              <a:schemeClr val="accent1">
-                <a:shade val="50000"/>
-              </a:schemeClr>
-            </a:lnRef>
-            <a:fillRef idx="1">
-              <a:schemeClr val="accent1"/>
-            </a:fillRef>
-            <a:effectRef idx="0">
-              <a:schemeClr val="accent1"/>
-            </a:effectRef>
-            <a:fontRef idx="minor">
-              <a:schemeClr val="lt1"/>
-            </a:fontRef>
-          </p:style>
-          <p:txBody>
-            <a:bodyPr rtlCol="0" anchor="ctr"/>
-            <a:lstStyle/>
-            <a:p>
-              <a:pPr algn="ctr"/>
-              <a:r>
-                <a:rPr lang="en-US" sz="1300" b="1">
-                  <a:solidFill>
-                    <a:schemeClr val="tx1"/>
-                  </a:solidFill>
-                  <a:latin typeface="Arial" panose="020B0604020202020204" pitchFamily="34" charset="0"/>
-                  <a:cs typeface="Arial" panose="020B0604020202020204" pitchFamily="34" charset="0"/>
-                </a:rPr>
-                <a:t>Model</a:t>
-              </a:r>
-            </a:p>
-          </p:txBody>
-        </p:sp>
-        <p:sp>
-          <p:nvSpPr>
-            <p:cNvPr id="6" name="Rounded Rectangle 12">
-              <a:extLst>
-                <a:ext uri="{FF2B5EF4-FFF2-40B4-BE49-F238E27FC236}">
-                  <a16:creationId xmlns:a16="http://schemas.microsoft.com/office/drawing/2014/main" id="{11C4439C-4DC4-4FA3-84E9-7A9227701F03}"/>
-                </a:ext>
-              </a:extLst>
-            </p:cNvPr>
-            <p:cNvSpPr/>
-            <p:nvPr/>
-          </p:nvSpPr>
-          <p:spPr>
-            <a:xfrm rot="16200000">
-              <a:off x="-2045605" y="2712777"/>
-              <a:ext cx="5568378" cy="710702"/>
-            </a:xfrm>
-            <a:prstGeom prst="roundRect">
-              <a:avLst/>
-            </a:prstGeom>
-            <a:solidFill>
-              <a:schemeClr val="accent3">
-                <a:lumMod val="60000"/>
-                <a:lumOff val="40000"/>
-              </a:schemeClr>
-            </a:solidFill>
-            <a:ln>
-              <a:solidFill>
-                <a:schemeClr val="accent3">
-                  <a:lumMod val="60000"/>
-                  <a:lumOff val="40000"/>
-                </a:schemeClr>
-              </a:solidFill>
-            </a:ln>
-          </p:spPr>
-          <p:style>
-            <a:lnRef idx="2">
-              <a:schemeClr val="accent1">
-                <a:shade val="50000"/>
-              </a:schemeClr>
-            </a:lnRef>
-            <a:fillRef idx="1">
-              <a:schemeClr val="accent1"/>
-            </a:fillRef>
-            <a:effectRef idx="0">
-              <a:schemeClr val="accent1"/>
-            </a:effectRef>
-            <a:fontRef idx="minor">
-              <a:schemeClr val="lt1"/>
-            </a:fontRef>
-          </p:style>
-          <p:txBody>
-            <a:bodyPr rtlCol="0" anchor="ctr"/>
-            <a:lstStyle/>
-            <a:p>
-              <a:pPr algn="ctr"/>
-              <a:r>
-                <a:rPr lang="en-US" sz="1300" b="1">
-                  <a:solidFill>
-                    <a:schemeClr val="tx1"/>
-                  </a:solidFill>
-                  <a:latin typeface="Arial" panose="020B0604020202020204" pitchFamily="34" charset="0"/>
-                  <a:cs typeface="Arial" panose="020B0604020202020204" pitchFamily="34" charset="0"/>
-                </a:rPr>
-                <a:t>Main</a:t>
-              </a:r>
-            </a:p>
-          </p:txBody>
-        </p:sp>
-        <p:sp>
-          <p:nvSpPr>
-            <p:cNvPr id="7" name="Rounded Rectangle 14">
-              <a:extLst>
-                <a:ext uri="{FF2B5EF4-FFF2-40B4-BE49-F238E27FC236}">
-                  <a16:creationId xmlns:a16="http://schemas.microsoft.com/office/drawing/2014/main" id="{750E1284-81E9-4C41-B515-A44C4DE3A46A}"/>
+                  <a16:creationId xmlns:a16="http://schemas.microsoft.com/office/drawing/2014/main" id="{711D91F2-FAAB-8A45-951E-0AE5439B411D}"/>
                 </a:ext>
               </a:extLst>
             </p:cNvPr>
@@ -4115,10 +3947,10 @@
         </p:sp>
         <p:sp>
           <p:nvSpPr>
-            <p:cNvPr id="10" name="Rounded Rectangle 14">
+            <p:cNvPr id="32" name="Rounded Rectangle 14">
               <a:extLst>
                 <a:ext uri="{FF2B5EF4-FFF2-40B4-BE49-F238E27FC236}">
-                  <a16:creationId xmlns:a16="http://schemas.microsoft.com/office/drawing/2014/main" id="{40948013-7B71-4B11-AAB3-DF21F7C857D9}"/>
+                  <a16:creationId xmlns:a16="http://schemas.microsoft.com/office/drawing/2014/main" id="{64F51C53-F960-2B49-AB69-9B567E3A626B}"/>
                 </a:ext>
               </a:extLst>
             </p:cNvPr>
@@ -4187,10 +4019,10 @@
         </p:sp>
         <p:sp>
           <p:nvSpPr>
-            <p:cNvPr id="11" name="Rounded Rectangle 14">
+            <p:cNvPr id="33" name="Rounded Rectangle 14">
               <a:extLst>
                 <a:ext uri="{FF2B5EF4-FFF2-40B4-BE49-F238E27FC236}">
-                  <a16:creationId xmlns:a16="http://schemas.microsoft.com/office/drawing/2014/main" id="{614726BF-74B4-47B0-A177-491067EDB194}"/>
+                  <a16:creationId xmlns:a16="http://schemas.microsoft.com/office/drawing/2014/main" id="{A030B27D-2513-3B48-9D70-2F4F7E03B748}"/>
                 </a:ext>
               </a:extLst>
             </p:cNvPr>
@@ -4199,7 +4031,7 @@
           </p:nvSpPr>
           <p:spPr>
             <a:xfrm>
-              <a:off x="6818540" y="2631613"/>
+              <a:off x="4430940" y="2631613"/>
               <a:ext cx="1982688" cy="369332"/>
             </a:xfrm>
             <a:prstGeom prst="roundRect">
@@ -4238,7 +4070,7 @@
             <a:p>
               <a:pPr algn="ctr"/>
               <a:r>
-                <a:rPr lang="en-US" sz="1300" dirty="0" err="1">
+                <a:rPr lang="en-US" sz="1300">
                   <a:solidFill>
                     <a:schemeClr val="tx1"/>
                   </a:solidFill>
@@ -4247,22 +4079,15 @@
                 </a:rPr>
                 <a:t>DeleteCardCommand</a:t>
               </a:r>
-              <a:endParaRPr lang="en-US" sz="1300" dirty="0">
-                <a:solidFill>
-                  <a:schemeClr val="tx1"/>
-                </a:solidFill>
-                <a:latin typeface="Arial" panose="020B0604020202020204" pitchFamily="34" charset="0"/>
-                <a:cs typeface="Arial" panose="020B0604020202020204" pitchFamily="34" charset="0"/>
-              </a:endParaRPr>
             </a:p>
           </p:txBody>
         </p:sp>
         <p:sp>
           <p:nvSpPr>
-            <p:cNvPr id="12" name="Rounded Rectangle 14">
+            <p:cNvPr id="34" name="Rounded Rectangle 14">
               <a:extLst>
                 <a:ext uri="{FF2B5EF4-FFF2-40B4-BE49-F238E27FC236}">
-                  <a16:creationId xmlns:a16="http://schemas.microsoft.com/office/drawing/2014/main" id="{53EBF3B0-36E5-4ECE-B207-D50046692BA7}"/>
+                  <a16:creationId xmlns:a16="http://schemas.microsoft.com/office/drawing/2014/main" id="{9B03EED1-8104-1E4D-AC31-9F962811750D}"/>
                 </a:ext>
               </a:extLst>
             </p:cNvPr>
@@ -4271,7 +4096,7 @@
           </p:nvSpPr>
           <p:spPr>
             <a:xfrm>
-              <a:off x="4447494" y="2625895"/>
+              <a:off x="6777900" y="2628272"/>
               <a:ext cx="1982688" cy="369332"/>
             </a:xfrm>
             <a:prstGeom prst="roundRect">
@@ -4310,7 +4135,7 @@
             <a:p>
               <a:pPr algn="ctr"/>
               <a:r>
-                <a:rPr lang="en-US" sz="1300" dirty="0" err="1">
+                <a:rPr lang="en-US" sz="1300" err="1">
                   <a:solidFill>
                     <a:schemeClr val="tx1"/>
                   </a:solidFill>
@@ -4319,7 +4144,7 @@
                 </a:rPr>
                 <a:t>EditCardCommand</a:t>
               </a:r>
-              <a:endParaRPr lang="en-US" sz="1300" dirty="0">
+              <a:endParaRPr lang="en-US" sz="1300">
                 <a:solidFill>
                   <a:schemeClr val="tx1"/>
                 </a:solidFill>
@@ -4331,10 +4156,10 @@
         </p:sp>
         <p:sp>
           <p:nvSpPr>
-            <p:cNvPr id="13" name="Rounded Rectangle 14">
+            <p:cNvPr id="35" name="Rounded Rectangle 14">
               <a:extLst>
                 <a:ext uri="{FF2B5EF4-FFF2-40B4-BE49-F238E27FC236}">
-                  <a16:creationId xmlns:a16="http://schemas.microsoft.com/office/drawing/2014/main" id="{5BDCC9E2-4684-41B2-85CD-415F73D25C00}"/>
+                  <a16:creationId xmlns:a16="http://schemas.microsoft.com/office/drawing/2014/main" id="{5EBA7F3F-1FE6-644D-9896-8A4C7CB845AE}"/>
                 </a:ext>
               </a:extLst>
             </p:cNvPr>
@@ -4396,10 +4221,178 @@
         </p:sp>
         <p:sp>
           <p:nvSpPr>
-            <p:cNvPr id="15" name="Triangle 55">
+            <p:cNvPr id="37" name="TextBox 36">
               <a:extLst>
                 <a:ext uri="{FF2B5EF4-FFF2-40B4-BE49-F238E27FC236}">
-                  <a16:creationId xmlns:a16="http://schemas.microsoft.com/office/drawing/2014/main" id="{572E674F-2A21-42AA-BE26-E06D49C273EC}"/>
+                  <a16:creationId xmlns:a16="http://schemas.microsoft.com/office/drawing/2014/main" id="{C1707347-DCA2-1F45-9AC2-31EA82639901}"/>
+                </a:ext>
+              </a:extLst>
+            </p:cNvPr>
+            <p:cNvSpPr txBox="1"/>
+            <p:nvPr/>
+          </p:nvSpPr>
+          <p:spPr>
+            <a:xfrm>
+              <a:off x="1303421" y="248117"/>
+              <a:ext cx="3227358" cy="369332"/>
+            </a:xfrm>
+            <a:prstGeom prst="rect">
+              <a:avLst/>
+            </a:prstGeom>
+            <a:noFill/>
+          </p:spPr>
+          <p:txBody>
+            <a:bodyPr wrap="none" rtlCol="0">
+              <a:spAutoFit/>
+            </a:bodyPr>
+            <a:lstStyle/>
+            <a:p>
+              <a:r>
+                <a:rPr lang="en-US" b="1"/>
+                <a:t>Logic, Command, Card Package</a:t>
+              </a:r>
+            </a:p>
+          </p:txBody>
+        </p:sp>
+        <p:sp>
+          <p:nvSpPr>
+            <p:cNvPr id="38" name="Rounded Rectangle 144">
+              <a:extLst>
+                <a:ext uri="{FF2B5EF4-FFF2-40B4-BE49-F238E27FC236}">
+                  <a16:creationId xmlns:a16="http://schemas.microsoft.com/office/drawing/2014/main" id="{0A74C1CA-029F-8346-BCD8-E5CA90CB7B3B}"/>
+                </a:ext>
+              </a:extLst>
+            </p:cNvPr>
+            <p:cNvSpPr/>
+            <p:nvPr/>
+          </p:nvSpPr>
+          <p:spPr>
+            <a:xfrm>
+              <a:off x="1303421" y="6000533"/>
+              <a:ext cx="10483775" cy="529662"/>
+            </a:xfrm>
+            <a:prstGeom prst="roundRect">
+              <a:avLst/>
+            </a:prstGeom>
+            <a:solidFill>
+              <a:schemeClr val="accent5">
+                <a:lumMod val="60000"/>
+                <a:lumOff val="40000"/>
+              </a:schemeClr>
+            </a:solidFill>
+            <a:ln>
+              <a:noFill/>
+            </a:ln>
+          </p:spPr>
+          <p:style>
+            <a:lnRef idx="2">
+              <a:schemeClr val="accent1">
+                <a:shade val="50000"/>
+              </a:schemeClr>
+            </a:lnRef>
+            <a:fillRef idx="1">
+              <a:schemeClr val="accent1"/>
+            </a:fillRef>
+            <a:effectRef idx="0">
+              <a:schemeClr val="accent1"/>
+            </a:effectRef>
+            <a:fontRef idx="minor">
+              <a:schemeClr val="lt1"/>
+            </a:fontRef>
+          </p:style>
+          <p:txBody>
+            <a:bodyPr rtlCol="0" anchor="ctr"/>
+            <a:lstStyle/>
+            <a:p>
+              <a:pPr algn="ctr"/>
+              <a:r>
+                <a:rPr lang="en-US" sz="1300" b="1">
+                  <a:solidFill>
+                    <a:schemeClr val="tx1"/>
+                  </a:solidFill>
+                  <a:latin typeface="Arial" panose="020B0604020202020204" pitchFamily="34" charset="0"/>
+                  <a:cs typeface="Arial" panose="020B0604020202020204" pitchFamily="34" charset="0"/>
+                </a:rPr>
+                <a:t>Model</a:t>
+              </a:r>
+            </a:p>
+          </p:txBody>
+        </p:sp>
+        <p:sp>
+          <p:nvSpPr>
+            <p:cNvPr id="41" name="Rounded Rectangle 12">
+              <a:extLst>
+                <a:ext uri="{FF2B5EF4-FFF2-40B4-BE49-F238E27FC236}">
+                  <a16:creationId xmlns:a16="http://schemas.microsoft.com/office/drawing/2014/main" id="{17D28E5B-0ABE-644B-A77F-03B3BD8D8542}"/>
+                </a:ext>
+              </a:extLst>
+            </p:cNvPr>
+            <p:cNvSpPr/>
+            <p:nvPr/>
+          </p:nvSpPr>
+          <p:spPr>
+            <a:xfrm rot="16200000">
+              <a:off x="-2045605" y="2712777"/>
+              <a:ext cx="5568378" cy="710702"/>
+            </a:xfrm>
+            <a:prstGeom prst="roundRect">
+              <a:avLst/>
+            </a:prstGeom>
+            <a:solidFill>
+              <a:schemeClr val="accent3">
+                <a:lumMod val="60000"/>
+                <a:lumOff val="40000"/>
+              </a:schemeClr>
+            </a:solidFill>
+            <a:ln>
+              <a:solidFill>
+                <a:schemeClr val="accent3">
+                  <a:lumMod val="60000"/>
+                  <a:lumOff val="40000"/>
+                </a:schemeClr>
+              </a:solidFill>
+            </a:ln>
+          </p:spPr>
+          <p:style>
+            <a:lnRef idx="2">
+              <a:schemeClr val="accent1">
+                <a:shade val="50000"/>
+              </a:schemeClr>
+            </a:lnRef>
+            <a:fillRef idx="1">
+              <a:schemeClr val="accent1"/>
+            </a:fillRef>
+            <a:effectRef idx="0">
+              <a:schemeClr val="accent1"/>
+            </a:effectRef>
+            <a:fontRef idx="minor">
+              <a:schemeClr val="lt1"/>
+            </a:fontRef>
+          </p:style>
+          <p:txBody>
+            <a:bodyPr rtlCol="0" anchor="ctr"/>
+            <a:lstStyle/>
+            <a:p>
+              <a:pPr algn="ctr"/>
+              <a:r>
+                <a:rPr lang="en-US" sz="1300" b="1">
+                  <a:solidFill>
+                    <a:schemeClr val="tx1"/>
+                  </a:solidFill>
+                  <a:latin typeface="Arial" panose="020B0604020202020204" pitchFamily="34" charset="0"/>
+                  <a:cs typeface="Arial" panose="020B0604020202020204" pitchFamily="34" charset="0"/>
+                </a:rPr>
+                <a:t>Main</a:t>
+              </a:r>
+            </a:p>
+          </p:txBody>
+        </p:sp>
+        <p:sp>
+          <p:nvSpPr>
+            <p:cNvPr id="42" name="Triangle 55">
+              <a:extLst>
+                <a:ext uri="{FF2B5EF4-FFF2-40B4-BE49-F238E27FC236}">
+                  <a16:creationId xmlns:a16="http://schemas.microsoft.com/office/drawing/2014/main" id="{3C82F833-CEDF-7642-A789-6990BD8915C7}"/>
                 </a:ext>
               </a:extLst>
             </p:cNvPr>
@@ -4417,7 +4410,9 @@
             <a:noFill/>
             <a:ln>
               <a:solidFill>
-                <a:srgbClr val="FFC000"/>
+                <a:schemeClr val="accent2">
+                  <a:lumMod val="75000"/>
+                </a:schemeClr>
               </a:solidFill>
             </a:ln>
           </p:spPr>
@@ -4451,10 +4446,10 @@
         </p:sp>
         <p:cxnSp>
           <p:nvCxnSpPr>
-            <p:cNvPr id="5" name="Straight Connector 4">
+            <p:cNvPr id="44" name="Straight Connector 43">
               <a:extLst>
                 <a:ext uri="{FF2B5EF4-FFF2-40B4-BE49-F238E27FC236}">
-                  <a16:creationId xmlns:a16="http://schemas.microsoft.com/office/drawing/2014/main" id="{AB5C86C6-6C48-41CC-8A7E-AA3FB97C9973}"/>
+                  <a16:creationId xmlns:a16="http://schemas.microsoft.com/office/drawing/2014/main" id="{EA64FF2A-B4FA-5948-99AD-111F627AA537}"/>
                 </a:ext>
               </a:extLst>
             </p:cNvPr>
@@ -4471,6 +4466,13 @@
             <a:prstGeom prst="line">
               <a:avLst/>
             </a:prstGeom>
+            <a:ln>
+              <a:solidFill>
+                <a:schemeClr val="accent2">
+                  <a:lumMod val="75000"/>
+                </a:schemeClr>
+              </a:solidFill>
+            </a:ln>
           </p:spPr>
           <p:style>
             <a:lnRef idx="1">
@@ -4489,16 +4491,16 @@
         </p:cxnSp>
         <p:cxnSp>
           <p:nvCxnSpPr>
-            <p:cNvPr id="20" name="Straight Connector 19">
+            <p:cNvPr id="47" name="Straight Connector 46">
               <a:extLst>
                 <a:ext uri="{FF2B5EF4-FFF2-40B4-BE49-F238E27FC236}">
-                  <a16:creationId xmlns:a16="http://schemas.microsoft.com/office/drawing/2014/main" id="{C39938B6-0026-41C0-8A83-31CE2B474A04}"/>
+                  <a16:creationId xmlns:a16="http://schemas.microsoft.com/office/drawing/2014/main" id="{74204359-710D-E547-8B1F-9DF7D3708970}"/>
                 </a:ext>
               </a:extLst>
             </p:cNvPr>
             <p:cNvCxnSpPr>
               <a:cxnSpLocks/>
-              <a:endCxn id="15" idx="3"/>
+              <a:endCxn id="42" idx="3"/>
             </p:cNvCxnSpPr>
             <p:nvPr/>
           </p:nvCxnSpPr>
@@ -4510,6 +4512,13 @@
             <a:prstGeom prst="line">
               <a:avLst/>
             </a:prstGeom>
+            <a:ln>
+              <a:solidFill>
+                <a:schemeClr val="accent2">
+                  <a:lumMod val="75000"/>
+                </a:schemeClr>
+              </a:solidFill>
+            </a:ln>
           </p:spPr>
           <p:style>
             <a:lnRef idx="1">
@@ -4528,16 +4537,15 @@
         </p:cxnSp>
         <p:cxnSp>
           <p:nvCxnSpPr>
-            <p:cNvPr id="23" name="Straight Connector 22">
+            <p:cNvPr id="48" name="Straight Connector 47">
               <a:extLst>
                 <a:ext uri="{FF2B5EF4-FFF2-40B4-BE49-F238E27FC236}">
-                  <a16:creationId xmlns:a16="http://schemas.microsoft.com/office/drawing/2014/main" id="{70FA76D6-1094-45EB-83BD-67D322789CFE}"/>
+                  <a16:creationId xmlns:a16="http://schemas.microsoft.com/office/drawing/2014/main" id="{0AFC52E7-74F7-5449-B16B-722752031733}"/>
                 </a:ext>
               </a:extLst>
             </p:cNvPr>
             <p:cNvCxnSpPr>
               <a:cxnSpLocks/>
-              <a:stCxn id="10" idx="0"/>
             </p:cNvCxnSpPr>
             <p:nvPr/>
           </p:nvCxnSpPr>
@@ -4549,6 +4557,13 @@
             <a:prstGeom prst="line">
               <a:avLst/>
             </a:prstGeom>
+            <a:ln>
+              <a:solidFill>
+                <a:schemeClr val="accent2">
+                  <a:lumMod val="75000"/>
+                </a:schemeClr>
+              </a:solidFill>
+            </a:ln>
           </p:spPr>
           <p:style>
             <a:lnRef idx="1">
@@ -4567,27 +4582,33 @@
         </p:cxnSp>
         <p:cxnSp>
           <p:nvCxnSpPr>
-            <p:cNvPr id="27" name="Straight Connector 26">
+            <p:cNvPr id="49" name="Straight Connector 48">
               <a:extLst>
                 <a:ext uri="{FF2B5EF4-FFF2-40B4-BE49-F238E27FC236}">
-                  <a16:creationId xmlns:a16="http://schemas.microsoft.com/office/drawing/2014/main" id="{D2034CF5-2B80-4EAF-AD49-77E61B465B3E}"/>
+                  <a16:creationId xmlns:a16="http://schemas.microsoft.com/office/drawing/2014/main" id="{3BE54529-EF44-5944-A291-ACEE868849FF}"/>
                 </a:ext>
               </a:extLst>
             </p:cNvPr>
             <p:cNvCxnSpPr>
               <a:cxnSpLocks/>
-              <a:stCxn id="11" idx="0"/>
             </p:cNvCxnSpPr>
             <p:nvPr/>
           </p:nvCxnSpPr>
           <p:spPr>
             <a:xfrm flipV="1">
-              <a:off x="7809884" y="2254470"/>
+              <a:off x="5422284" y="2254470"/>
               <a:ext cx="0" cy="377143"/>
             </a:xfrm>
             <a:prstGeom prst="line">
               <a:avLst/>
             </a:prstGeom>
+            <a:ln>
+              <a:solidFill>
+                <a:schemeClr val="accent2">
+                  <a:lumMod val="75000"/>
+                </a:schemeClr>
+              </a:solidFill>
+            </a:ln>
           </p:spPr>
           <p:style>
             <a:lnRef idx="1">
@@ -4606,27 +4627,33 @@
         </p:cxnSp>
         <p:cxnSp>
           <p:nvCxnSpPr>
-            <p:cNvPr id="31" name="Straight Connector 30">
+            <p:cNvPr id="51" name="Straight Connector 50">
               <a:extLst>
                 <a:ext uri="{FF2B5EF4-FFF2-40B4-BE49-F238E27FC236}">
-                  <a16:creationId xmlns:a16="http://schemas.microsoft.com/office/drawing/2014/main" id="{AA2A8D5C-66C2-4281-9070-B687F505609C}"/>
+                  <a16:creationId xmlns:a16="http://schemas.microsoft.com/office/drawing/2014/main" id="{CE1FF2FC-B5A2-9147-8016-C1492FFD5D94}"/>
                 </a:ext>
               </a:extLst>
             </p:cNvPr>
             <p:cNvCxnSpPr>
               <a:cxnSpLocks/>
-              <a:stCxn id="12" idx="0"/>
             </p:cNvCxnSpPr>
             <p:nvPr/>
           </p:nvCxnSpPr>
           <p:spPr>
             <a:xfrm flipV="1">
-              <a:off x="5438838" y="2244626"/>
+              <a:off x="7769244" y="2247003"/>
               <a:ext cx="0" cy="381269"/>
             </a:xfrm>
             <a:prstGeom prst="line">
               <a:avLst/>
             </a:prstGeom>
+            <a:ln>
+              <a:solidFill>
+                <a:schemeClr val="accent2">
+                  <a:lumMod val="75000"/>
+                </a:schemeClr>
+              </a:solidFill>
+            </a:ln>
           </p:spPr>
           <p:style>
             <a:lnRef idx="1">
@@ -4645,16 +4672,15 @@
         </p:cxnSp>
         <p:cxnSp>
           <p:nvCxnSpPr>
-            <p:cNvPr id="36" name="Straight Connector 35">
+            <p:cNvPr id="52" name="Straight Connector 51">
               <a:extLst>
                 <a:ext uri="{FF2B5EF4-FFF2-40B4-BE49-F238E27FC236}">
-                  <a16:creationId xmlns:a16="http://schemas.microsoft.com/office/drawing/2014/main" id="{1099EB8E-8F38-4D6B-95CC-88C2E877C0B6}"/>
+                  <a16:creationId xmlns:a16="http://schemas.microsoft.com/office/drawing/2014/main" id="{C2ABE228-9652-9343-BE87-DEF04673FE79}"/>
                 </a:ext>
               </a:extLst>
             </p:cNvPr>
             <p:cNvCxnSpPr>
               <a:cxnSpLocks/>
-              <a:stCxn id="13" idx="0"/>
             </p:cNvCxnSpPr>
             <p:nvPr/>
           </p:nvCxnSpPr>
@@ -4666,6 +4692,13 @@
             <a:prstGeom prst="line">
               <a:avLst/>
             </a:prstGeom>
+            <a:ln>
+              <a:solidFill>
+                <a:schemeClr val="accent2">
+                  <a:lumMod val="75000"/>
+                </a:schemeClr>
+              </a:solidFill>
+            </a:ln>
           </p:spPr>
           <p:style>
             <a:lnRef idx="1">
@@ -4684,10 +4717,10 @@
         </p:cxnSp>
         <p:cxnSp>
           <p:nvCxnSpPr>
-            <p:cNvPr id="39" name="Straight Connector 38">
+            <p:cNvPr id="53" name="Straight Connector 52">
               <a:extLst>
                 <a:ext uri="{FF2B5EF4-FFF2-40B4-BE49-F238E27FC236}">
-                  <a16:creationId xmlns:a16="http://schemas.microsoft.com/office/drawing/2014/main" id="{21A35BB4-0DBE-4B61-9042-C63F34F6B8C0}"/>
+                  <a16:creationId xmlns:a16="http://schemas.microsoft.com/office/drawing/2014/main" id="{3856E805-5AF9-7947-A9AA-C864F31E4B89}"/>
                 </a:ext>
               </a:extLst>
             </p:cNvPr>
@@ -4704,6 +4737,13 @@
             <a:prstGeom prst="line">
               <a:avLst/>
             </a:prstGeom>
+            <a:ln>
+              <a:solidFill>
+                <a:schemeClr val="accent2">
+                  <a:lumMod val="75000"/>
+                </a:schemeClr>
+              </a:solidFill>
+            </a:ln>
           </p:spPr>
           <p:style>
             <a:lnRef idx="1">
@@ -4722,16 +4762,15 @@
         </p:cxnSp>
         <p:cxnSp>
           <p:nvCxnSpPr>
-            <p:cNvPr id="40" name="Straight Connector 39">
+            <p:cNvPr id="56" name="Straight Connector 55">
               <a:extLst>
                 <a:ext uri="{FF2B5EF4-FFF2-40B4-BE49-F238E27FC236}">
-                  <a16:creationId xmlns:a16="http://schemas.microsoft.com/office/drawing/2014/main" id="{6828F033-C716-46F5-83B9-4F6D80A3E60B}"/>
+                  <a16:creationId xmlns:a16="http://schemas.microsoft.com/office/drawing/2014/main" id="{533C3534-2A0E-0242-BCBD-BFF586A4F531}"/>
                 </a:ext>
               </a:extLst>
             </p:cNvPr>
             <p:cNvCxnSpPr>
               <a:cxnSpLocks/>
-              <a:stCxn id="10" idx="2"/>
             </p:cNvCxnSpPr>
             <p:nvPr/>
           </p:nvCxnSpPr>
@@ -4743,6 +4782,13 @@
             <a:prstGeom prst="line">
               <a:avLst/>
             </a:prstGeom>
+            <a:ln>
+              <a:solidFill>
+                <a:schemeClr val="accent2">
+                  <a:lumMod val="75000"/>
+                </a:schemeClr>
+              </a:solidFill>
+            </a:ln>
           </p:spPr>
           <p:style>
             <a:lnRef idx="1">
@@ -4761,10 +4807,10 @@
         </p:cxnSp>
         <p:cxnSp>
           <p:nvCxnSpPr>
-            <p:cNvPr id="43" name="Straight Connector 42">
+            <p:cNvPr id="57" name="Straight Connector 56">
               <a:extLst>
                 <a:ext uri="{FF2B5EF4-FFF2-40B4-BE49-F238E27FC236}">
-                  <a16:creationId xmlns:a16="http://schemas.microsoft.com/office/drawing/2014/main" id="{BC94EE7A-72C8-4E13-8DB5-BB4B980AE1A7}"/>
+                  <a16:creationId xmlns:a16="http://schemas.microsoft.com/office/drawing/2014/main" id="{1A38D592-0A7E-5E44-B9DF-C5991C811311}"/>
                 </a:ext>
               </a:extLst>
             </p:cNvPr>
@@ -4781,6 +4827,13 @@
             <a:prstGeom prst="line">
               <a:avLst/>
             </a:prstGeom>
+            <a:ln>
+              <a:solidFill>
+                <a:schemeClr val="accent2">
+                  <a:lumMod val="75000"/>
+                </a:schemeClr>
+              </a:solidFill>
+            </a:ln>
           </p:spPr>
           <p:style>
             <a:lnRef idx="1">
@@ -4799,10 +4852,10 @@
         </p:cxnSp>
         <p:cxnSp>
           <p:nvCxnSpPr>
-            <p:cNvPr id="45" name="Straight Connector 44">
+            <p:cNvPr id="58" name="Straight Connector 57">
               <a:extLst>
                 <a:ext uri="{FF2B5EF4-FFF2-40B4-BE49-F238E27FC236}">
-                  <a16:creationId xmlns:a16="http://schemas.microsoft.com/office/drawing/2014/main" id="{1BC046ED-96E9-45CA-BBA2-CACE51D8F8E9}"/>
+                  <a16:creationId xmlns:a16="http://schemas.microsoft.com/office/drawing/2014/main" id="{851A560E-365D-7244-9496-404002BD6982}"/>
                 </a:ext>
               </a:extLst>
             </p:cNvPr>
@@ -4819,6 +4872,13 @@
             <a:prstGeom prst="line">
               <a:avLst/>
             </a:prstGeom>
+            <a:ln>
+              <a:solidFill>
+                <a:schemeClr val="accent2">
+                  <a:lumMod val="75000"/>
+                </a:schemeClr>
+              </a:solidFill>
+            </a:ln>
           </p:spPr>
           <p:style>
             <a:lnRef idx="1">
@@ -4837,10 +4897,10 @@
         </p:cxnSp>
         <p:cxnSp>
           <p:nvCxnSpPr>
-            <p:cNvPr id="46" name="Straight Connector 45">
+            <p:cNvPr id="59" name="Straight Connector 58">
               <a:extLst>
                 <a:ext uri="{FF2B5EF4-FFF2-40B4-BE49-F238E27FC236}">
-                  <a16:creationId xmlns:a16="http://schemas.microsoft.com/office/drawing/2014/main" id="{B597C30D-F74F-4F36-94ED-C20FAF5C1C6B}"/>
+                  <a16:creationId xmlns:a16="http://schemas.microsoft.com/office/drawing/2014/main" id="{FA5E5CED-FB49-2144-B119-6182BECBD903}"/>
                 </a:ext>
               </a:extLst>
             </p:cNvPr>
@@ -4857,6 +4917,13 @@
             <a:prstGeom prst="line">
               <a:avLst/>
             </a:prstGeom>
+            <a:ln>
+              <a:solidFill>
+                <a:schemeClr val="accent2">
+                  <a:lumMod val="75000"/>
+                </a:schemeClr>
+              </a:solidFill>
+            </a:ln>
           </p:spPr>
           <p:style>
             <a:lnRef idx="1">
@@ -4875,16 +4942,16 @@
         </p:cxnSp>
         <p:cxnSp>
           <p:nvCxnSpPr>
-            <p:cNvPr id="50" name="Straight Arrow Connector 49">
+            <p:cNvPr id="60" name="Straight Arrow Connector 59">
               <a:extLst>
                 <a:ext uri="{FF2B5EF4-FFF2-40B4-BE49-F238E27FC236}">
-                  <a16:creationId xmlns:a16="http://schemas.microsoft.com/office/drawing/2014/main" id="{5018F0A2-C414-4008-8BC1-F14101AC6093}"/>
+                  <a16:creationId xmlns:a16="http://schemas.microsoft.com/office/drawing/2014/main" id="{96F6E3F5-A40F-714D-983E-8CB0D9BF6754}"/>
                 </a:ext>
               </a:extLst>
             </p:cNvPr>
             <p:cNvCxnSpPr>
               <a:cxnSpLocks/>
-              <a:stCxn id="26" idx="0"/>
+              <a:stCxn id="38" idx="0"/>
             </p:cNvCxnSpPr>
             <p:nvPr/>
           </p:nvCxnSpPr>
@@ -4898,7 +4965,9 @@
             </a:prstGeom>
             <a:ln>
               <a:solidFill>
-                <a:srgbClr val="FFC000"/>
+                <a:schemeClr val="accent2">
+                  <a:lumMod val="75000"/>
+                </a:schemeClr>
               </a:solidFill>
               <a:prstDash val="solid"/>
               <a:headEnd type="triangle"/>
@@ -4922,16 +4991,15 @@
         </p:cxnSp>
         <p:cxnSp>
           <p:nvCxnSpPr>
-            <p:cNvPr id="54" name="Straight Arrow Connector 53">
+            <p:cNvPr id="61" name="Straight Arrow Connector 60">
               <a:extLst>
                 <a:ext uri="{FF2B5EF4-FFF2-40B4-BE49-F238E27FC236}">
-                  <a16:creationId xmlns:a16="http://schemas.microsoft.com/office/drawing/2014/main" id="{5A316980-8B70-4AD5-B827-E9A025560311}"/>
+                  <a16:creationId xmlns:a16="http://schemas.microsoft.com/office/drawing/2014/main" id="{5786CAC4-B276-274A-BBD1-F1604A5B1E32}"/>
                 </a:ext>
               </a:extLst>
             </p:cNvPr>
             <p:cNvCxnSpPr>
               <a:cxnSpLocks/>
-              <a:endCxn id="7" idx="1"/>
             </p:cNvCxnSpPr>
             <p:nvPr/>
           </p:nvCxnSpPr>
@@ -4944,6 +5012,11 @@
               <a:avLst/>
             </a:prstGeom>
             <a:ln>
+              <a:solidFill>
+                <a:schemeClr val="accent2">
+                  <a:lumMod val="75000"/>
+                </a:schemeClr>
+              </a:solidFill>
               <a:tailEnd type="triangle"/>
             </a:ln>
           </p:spPr>

--- a/docs/diagrams/LogicCommandCardPackage.pptx
+++ b/docs/diagrams/LogicCommandCardPackage.pptx
@@ -197,7 +197,7 @@
           <a:p>
             <a:fld id="{1661B331-AB90-4B3E-BBBB-ADB86C3B3C53}" type="datetimeFigureOut">
               <a:rPr lang="en-SG" smtClean="0"/>
-              <a:t>31/10/19</a:t>
+              <a:t>8/11/19</a:t>
             </a:fld>
             <a:endParaRPr lang="en-SG"/>
           </a:p>
@@ -698,7 +698,7 @@
           <a:p>
             <a:fld id="{8E48A44F-7FCA-E248-9F13-647A0016D148}" type="datetimeFigureOut">
               <a:rPr lang="en-US" smtClean="0"/>
-              <a:t>10/31/19</a:t>
+              <a:t>11/8/19</a:t>
             </a:fld>
             <a:endParaRPr lang="en-US"/>
           </a:p>
@@ -898,7 +898,7 @@
           <a:p>
             <a:fld id="{8E48A44F-7FCA-E248-9F13-647A0016D148}" type="datetimeFigureOut">
               <a:rPr lang="en-US" smtClean="0"/>
-              <a:t>10/31/19</a:t>
+              <a:t>11/8/19</a:t>
             </a:fld>
             <a:endParaRPr lang="en-US"/>
           </a:p>
@@ -1108,7 +1108,7 @@
           <a:p>
             <a:fld id="{8E48A44F-7FCA-E248-9F13-647A0016D148}" type="datetimeFigureOut">
               <a:rPr lang="en-US" smtClean="0"/>
-              <a:t>10/31/19</a:t>
+              <a:t>11/8/19</a:t>
             </a:fld>
             <a:endParaRPr lang="en-US"/>
           </a:p>
@@ -1308,7 +1308,7 @@
           <a:p>
             <a:fld id="{8E48A44F-7FCA-E248-9F13-647A0016D148}" type="datetimeFigureOut">
               <a:rPr lang="en-US" smtClean="0"/>
-              <a:t>10/31/19</a:t>
+              <a:t>11/8/19</a:t>
             </a:fld>
             <a:endParaRPr lang="en-US"/>
           </a:p>
@@ -1584,7 +1584,7 @@
           <a:p>
             <a:fld id="{8E48A44F-7FCA-E248-9F13-647A0016D148}" type="datetimeFigureOut">
               <a:rPr lang="en-US" smtClean="0"/>
-              <a:t>10/31/19</a:t>
+              <a:t>11/8/19</a:t>
             </a:fld>
             <a:endParaRPr lang="en-US"/>
           </a:p>
@@ -1852,7 +1852,7 @@
           <a:p>
             <a:fld id="{8E48A44F-7FCA-E248-9F13-647A0016D148}" type="datetimeFigureOut">
               <a:rPr lang="en-US" smtClean="0"/>
-              <a:t>10/31/19</a:t>
+              <a:t>11/8/19</a:t>
             </a:fld>
             <a:endParaRPr lang="en-US"/>
           </a:p>
@@ -2267,7 +2267,7 @@
           <a:p>
             <a:fld id="{8E48A44F-7FCA-E248-9F13-647A0016D148}" type="datetimeFigureOut">
               <a:rPr lang="en-US" smtClean="0"/>
-              <a:t>10/31/19</a:t>
+              <a:t>11/8/19</a:t>
             </a:fld>
             <a:endParaRPr lang="en-US"/>
           </a:p>
@@ -2409,7 +2409,7 @@
           <a:p>
             <a:fld id="{8E48A44F-7FCA-E248-9F13-647A0016D148}" type="datetimeFigureOut">
               <a:rPr lang="en-US" smtClean="0"/>
-              <a:t>10/31/19</a:t>
+              <a:t>11/8/19</a:t>
             </a:fld>
             <a:endParaRPr lang="en-US"/>
           </a:p>
@@ -2522,7 +2522,7 @@
           <a:p>
             <a:fld id="{8E48A44F-7FCA-E248-9F13-647A0016D148}" type="datetimeFigureOut">
               <a:rPr lang="en-US" smtClean="0"/>
-              <a:t>10/31/19</a:t>
+              <a:t>11/8/19</a:t>
             </a:fld>
             <a:endParaRPr lang="en-US"/>
           </a:p>
@@ -2835,7 +2835,7 @@
           <a:p>
             <a:fld id="{8E48A44F-7FCA-E248-9F13-647A0016D148}" type="datetimeFigureOut">
               <a:rPr lang="en-US" smtClean="0"/>
-              <a:t>10/31/19</a:t>
+              <a:t>11/8/19</a:t>
             </a:fld>
             <a:endParaRPr lang="en-US"/>
           </a:p>
@@ -3124,7 +3124,7 @@
           <a:p>
             <a:fld id="{8E48A44F-7FCA-E248-9F13-647A0016D148}" type="datetimeFigureOut">
               <a:rPr lang="en-US" smtClean="0"/>
-              <a:t>10/31/19</a:t>
+              <a:t>11/8/19</a:t>
             </a:fld>
             <a:endParaRPr lang="en-US"/>
           </a:p>
@@ -3367,7 +3367,7 @@
           <a:p>
             <a:fld id="{8E48A44F-7FCA-E248-9F13-647A0016D148}" type="datetimeFigureOut">
               <a:rPr lang="en-US" smtClean="0"/>
-              <a:t>10/31/19</a:t>
+              <a:t>11/8/19</a:t>
             </a:fld>
             <a:endParaRPr lang="en-US"/>
           </a:p>
@@ -3784,6 +3784,69 @@
           <a:chExt cx="0" cy="0"/>
         </a:xfrm>
       </p:grpSpPr>
+      <p:sp>
+        <p:nvSpPr>
+          <p:cNvPr id="84" name="Rounded Rectangle 145">
+            <a:extLst>
+              <a:ext uri="{FF2B5EF4-FFF2-40B4-BE49-F238E27FC236}">
+                <a16:creationId xmlns:a16="http://schemas.microsoft.com/office/drawing/2014/main" id="{B0537A0C-BEB2-BF43-89BC-68F351B83039}"/>
+              </a:ext>
+            </a:extLst>
+          </p:cNvPr>
+          <p:cNvSpPr/>
+          <p:nvPr/>
+        </p:nvSpPr>
+        <p:spPr>
+          <a:xfrm>
+            <a:off x="1259153" y="2197287"/>
+            <a:ext cx="10563167" cy="3655029"/>
+          </a:xfrm>
+          <a:prstGeom prst="roundRect">
+            <a:avLst>
+              <a:gd name="adj" fmla="val 4363"/>
+            </a:avLst>
+          </a:prstGeom>
+          <a:solidFill>
+            <a:schemeClr val="accent2">
+              <a:lumMod val="20000"/>
+              <a:lumOff val="80000"/>
+            </a:schemeClr>
+          </a:solidFill>
+          <a:ln>
+            <a:solidFill>
+              <a:schemeClr val="accent2">
+                <a:lumMod val="20000"/>
+                <a:lumOff val="80000"/>
+              </a:schemeClr>
+            </a:solidFill>
+            <a:prstDash val="solid"/>
+          </a:ln>
+        </p:spPr>
+        <p:style>
+          <a:lnRef idx="2">
+            <a:schemeClr val="accent1">
+              <a:shade val="50000"/>
+            </a:schemeClr>
+          </a:lnRef>
+          <a:fillRef idx="1">
+            <a:schemeClr val="accent1"/>
+          </a:fillRef>
+          <a:effectRef idx="0">
+            <a:schemeClr val="accent1"/>
+          </a:effectRef>
+          <a:fontRef idx="minor">
+            <a:schemeClr val="lt1"/>
+          </a:fontRef>
+        </p:style>
+        <p:txBody>
+          <a:bodyPr rtlCol="0" anchor="ctr"/>
+          <a:lstStyle/>
+          <a:p>
+            <a:pPr algn="ctr"/>
+            <a:endParaRPr lang="en-US" dirty="0"/>
+          </a:p>
+        </p:txBody>
+      </p:sp>
       <p:grpSp>
         <p:nvGrpSpPr>
           <p:cNvPr id="28" name="Group 27">
@@ -3818,8 +3881,8 @@
           </p:nvSpPr>
           <p:spPr>
             <a:xfrm>
-              <a:off x="1245599" y="283938"/>
-              <a:ext cx="10563167" cy="5590979"/>
+              <a:off x="1245599" y="283939"/>
+              <a:ext cx="10563167" cy="1814480"/>
             </a:xfrm>
             <a:prstGeom prst="roundRect">
               <a:avLst>
@@ -3881,7 +3944,91 @@
           </p:nvSpPr>
           <p:spPr>
             <a:xfrm>
-              <a:off x="5553965" y="1452148"/>
+              <a:off x="5535838" y="744329"/>
+              <a:ext cx="1982688" cy="430794"/>
+            </a:xfrm>
+            <a:prstGeom prst="roundRect">
+              <a:avLst>
+                <a:gd name="adj" fmla="val 0"/>
+              </a:avLst>
+            </a:prstGeom>
+            <a:solidFill>
+              <a:schemeClr val="accent1">
+                <a:lumMod val="20000"/>
+                <a:lumOff val="80000"/>
+              </a:schemeClr>
+            </a:solidFill>
+            <a:ln>
+              <a:solidFill>
+                <a:schemeClr val="accent1">
+                  <a:lumMod val="20000"/>
+                  <a:lumOff val="80000"/>
+                </a:schemeClr>
+              </a:solidFill>
+            </a:ln>
+          </p:spPr>
+          <p:style>
+            <a:lnRef idx="2">
+              <a:schemeClr val="accent1">
+                <a:shade val="50000"/>
+              </a:schemeClr>
+            </a:lnRef>
+            <a:fillRef idx="1">
+              <a:schemeClr val="accent1"/>
+            </a:fillRef>
+            <a:effectRef idx="0">
+              <a:schemeClr val="accent1"/>
+            </a:effectRef>
+            <a:fontRef idx="minor">
+              <a:schemeClr val="lt1"/>
+            </a:fontRef>
+          </p:style>
+          <p:txBody>
+            <a:bodyPr rtlCol="0" anchor="ctr"/>
+            <a:lstStyle/>
+            <a:p>
+              <a:pPr algn="ctr"/>
+              <a:r>
+                <a:rPr lang="en-US" sz="1300" dirty="0">
+                  <a:solidFill>
+                    <a:schemeClr val="tx1"/>
+                  </a:solidFill>
+                  <a:latin typeface="Arial" panose="020B0604020202020204" pitchFamily="34" charset="0"/>
+                  <a:cs typeface="Arial" panose="020B0604020202020204" pitchFamily="34" charset="0"/>
+                </a:rPr>
+                <a:t>{abstract}</a:t>
+              </a:r>
+            </a:p>
+            <a:p>
+              <a:pPr algn="ctr"/>
+              <a:r>
+                <a:rPr lang="en-US" sz="1300" dirty="0">
+                  <a:solidFill>
+                    <a:schemeClr val="tx1"/>
+                  </a:solidFill>
+                  <a:latin typeface="Arial" panose="020B0604020202020204" pitchFamily="34" charset="0"/>
+                  <a:cs typeface="Arial" panose="020B0604020202020204" pitchFamily="34" charset="0"/>
+                </a:rPr>
+                <a:t>Command</a:t>
+              </a:r>
+            </a:p>
+          </p:txBody>
+        </p:sp>
+        <p:sp>
+          <p:nvSpPr>
+            <p:cNvPr id="32" name="Rounded Rectangle 14">
+              <a:extLst>
+                <a:ext uri="{FF2B5EF4-FFF2-40B4-BE49-F238E27FC236}">
+                  <a16:creationId xmlns:a16="http://schemas.microsoft.com/office/drawing/2014/main" id="{64F51C53-F960-2B49-AB69-9B567E3A626B}"/>
+                </a:ext>
+              </a:extLst>
+            </p:cNvPr>
+            <p:cNvSpPr/>
+            <p:nvPr/>
+          </p:nvSpPr>
+          <p:spPr>
+            <a:xfrm>
+              <a:off x="2059894" y="3340655"/>
               <a:ext cx="1982688" cy="369332"/>
             </a:xfrm>
             <a:prstGeom prst="roundRect">
@@ -3920,37 +4067,31 @@
             <a:p>
               <a:pPr algn="ctr"/>
               <a:r>
-                <a:rPr lang="en-US" sz="1300">
+                <a:rPr lang="en-US" sz="1300" dirty="0" err="1">
                   <a:solidFill>
                     <a:schemeClr val="tx1"/>
                   </a:solidFill>
                   <a:latin typeface="Arial" panose="020B0604020202020204" pitchFamily="34" charset="0"/>
                   <a:cs typeface="Arial" panose="020B0604020202020204" pitchFamily="34" charset="0"/>
                 </a:rPr>
-                <a:t>{abstract}</a:t>
+                <a:t>AddCardCommand</a:t>
               </a:r>
-            </a:p>
-            <a:p>
-              <a:pPr algn="ctr"/>
-              <a:r>
-                <a:rPr lang="en-US" sz="1300">
-                  <a:solidFill>
-                    <a:schemeClr val="tx1"/>
-                  </a:solidFill>
-                  <a:latin typeface="Arial" panose="020B0604020202020204" pitchFamily="34" charset="0"/>
-                  <a:cs typeface="Arial" panose="020B0604020202020204" pitchFamily="34" charset="0"/>
-                </a:rPr>
-                <a:t>Command</a:t>
-              </a:r>
+              <a:endParaRPr lang="en-US" sz="1300" dirty="0">
+                <a:solidFill>
+                  <a:schemeClr val="tx1"/>
+                </a:solidFill>
+                <a:latin typeface="Arial" panose="020B0604020202020204" pitchFamily="34" charset="0"/>
+                <a:cs typeface="Arial" panose="020B0604020202020204" pitchFamily="34" charset="0"/>
+              </a:endParaRPr>
             </a:p>
           </p:txBody>
         </p:sp>
         <p:sp>
           <p:nvSpPr>
-            <p:cNvPr id="32" name="Rounded Rectangle 14">
+            <p:cNvPr id="33" name="Rounded Rectangle 14">
               <a:extLst>
                 <a:ext uri="{FF2B5EF4-FFF2-40B4-BE49-F238E27FC236}">
-                  <a16:creationId xmlns:a16="http://schemas.microsoft.com/office/drawing/2014/main" id="{64F51C53-F960-2B49-AB69-9B567E3A626B}"/>
+                  <a16:creationId xmlns:a16="http://schemas.microsoft.com/office/drawing/2014/main" id="{A030B27D-2513-3B48-9D70-2F4F7E03B748}"/>
                 </a:ext>
               </a:extLst>
             </p:cNvPr>
@@ -3959,7 +4100,7 @@
           </p:nvSpPr>
           <p:spPr>
             <a:xfrm>
-              <a:off x="2043340" y="2660051"/>
+              <a:off x="4447494" y="3312217"/>
               <a:ext cx="1982688" cy="369332"/>
             </a:xfrm>
             <a:prstGeom prst="roundRect">
@@ -3998,79 +4139,7 @@
             <a:p>
               <a:pPr algn="ctr"/>
               <a:r>
-                <a:rPr lang="en-US" sz="1300" err="1">
-                  <a:solidFill>
-                    <a:schemeClr val="tx1"/>
-                  </a:solidFill>
-                  <a:latin typeface="Arial" panose="020B0604020202020204" pitchFamily="34" charset="0"/>
-                  <a:cs typeface="Arial" panose="020B0604020202020204" pitchFamily="34" charset="0"/>
-                </a:rPr>
-                <a:t>AddCardCommand</a:t>
-              </a:r>
-              <a:endParaRPr lang="en-US" sz="1300">
-                <a:solidFill>
-                  <a:schemeClr val="tx1"/>
-                </a:solidFill>
-                <a:latin typeface="Arial" panose="020B0604020202020204" pitchFamily="34" charset="0"/>
-                <a:cs typeface="Arial" panose="020B0604020202020204" pitchFamily="34" charset="0"/>
-              </a:endParaRPr>
-            </a:p>
-          </p:txBody>
-        </p:sp>
-        <p:sp>
-          <p:nvSpPr>
-            <p:cNvPr id="33" name="Rounded Rectangle 14">
-              <a:extLst>
-                <a:ext uri="{FF2B5EF4-FFF2-40B4-BE49-F238E27FC236}">
-                  <a16:creationId xmlns:a16="http://schemas.microsoft.com/office/drawing/2014/main" id="{A030B27D-2513-3B48-9D70-2F4F7E03B748}"/>
-                </a:ext>
-              </a:extLst>
-            </p:cNvPr>
-            <p:cNvSpPr/>
-            <p:nvPr/>
-          </p:nvSpPr>
-          <p:spPr>
-            <a:xfrm>
-              <a:off x="4430940" y="2631613"/>
-              <a:ext cx="1982688" cy="369332"/>
-            </a:xfrm>
-            <a:prstGeom prst="roundRect">
-              <a:avLst>
-                <a:gd name="adj" fmla="val 0"/>
-              </a:avLst>
-            </a:prstGeom>
-            <a:solidFill>
-              <a:srgbClr val="FFC000"/>
-            </a:solidFill>
-            <a:ln>
-              <a:solidFill>
-                <a:srgbClr val="FFC000"/>
-              </a:solidFill>
-            </a:ln>
-          </p:spPr>
-          <p:style>
-            <a:lnRef idx="2">
-              <a:schemeClr val="accent1">
-                <a:shade val="50000"/>
-              </a:schemeClr>
-            </a:lnRef>
-            <a:fillRef idx="1">
-              <a:schemeClr val="accent1"/>
-            </a:fillRef>
-            <a:effectRef idx="0">
-              <a:schemeClr val="accent1"/>
-            </a:effectRef>
-            <a:fontRef idx="minor">
-              <a:schemeClr val="lt1"/>
-            </a:fontRef>
-          </p:style>
-          <p:txBody>
-            <a:bodyPr rtlCol="0" anchor="ctr"/>
-            <a:lstStyle/>
-            <a:p>
-              <a:pPr algn="ctr"/>
-              <a:r>
-                <a:rPr lang="en-US" sz="1300">
+                <a:rPr lang="en-US" sz="1300" dirty="0" err="1">
                   <a:solidFill>
                     <a:schemeClr val="tx1"/>
                   </a:solidFill>
@@ -4079,6 +4148,13 @@
                 </a:rPr>
                 <a:t>DeleteCardCommand</a:t>
               </a:r>
+              <a:endParaRPr lang="en-US" sz="1300" dirty="0">
+                <a:solidFill>
+                  <a:schemeClr val="tx1"/>
+                </a:solidFill>
+                <a:latin typeface="Arial" panose="020B0604020202020204" pitchFamily="34" charset="0"/>
+                <a:cs typeface="Arial" panose="020B0604020202020204" pitchFamily="34" charset="0"/>
+              </a:endParaRPr>
             </a:p>
           </p:txBody>
         </p:sp>
@@ -4096,7 +4172,7 @@
           </p:nvSpPr>
           <p:spPr>
             <a:xfrm>
-              <a:off x="6777900" y="2628272"/>
+              <a:off x="6794454" y="3308876"/>
               <a:ext cx="1982688" cy="369332"/>
             </a:xfrm>
             <a:prstGeom prst="roundRect">
@@ -4168,7 +4244,7 @@
           </p:nvSpPr>
           <p:spPr>
             <a:xfrm>
-              <a:off x="9246780" y="2628080"/>
+              <a:off x="9263334" y="3308684"/>
               <a:ext cx="1982688" cy="369332"/>
             </a:xfrm>
             <a:prstGeom prst="roundRect">
@@ -4207,7 +4283,7 @@
             <a:p>
               <a:pPr algn="ctr"/>
               <a:r>
-                <a:rPr lang="en-US" sz="1300">
+                <a:rPr lang="en-US" sz="1300" dirty="0" err="1">
                   <a:solidFill>
                     <a:schemeClr val="tx1"/>
                   </a:solidFill>
@@ -4216,6 +4292,13 @@
                 </a:rPr>
                 <a:t>ListCardCommand</a:t>
               </a:r>
+              <a:endParaRPr lang="en-US" sz="1300" dirty="0">
+                <a:solidFill>
+                  <a:schemeClr val="tx1"/>
+                </a:solidFill>
+                <a:latin typeface="Arial" panose="020B0604020202020204" pitchFamily="34" charset="0"/>
+                <a:cs typeface="Arial" panose="020B0604020202020204" pitchFamily="34" charset="0"/>
+              </a:endParaRPr>
             </a:p>
           </p:txBody>
         </p:sp>
@@ -4234,7 +4317,7 @@
           <p:spPr>
             <a:xfrm>
               <a:off x="1303421" y="248117"/>
-              <a:ext cx="3227358" cy="369332"/>
+              <a:ext cx="1760418" cy="369332"/>
             </a:xfrm>
             <a:prstGeom prst="rect">
               <a:avLst/>
@@ -4248,8 +4331,8 @@
             <a:lstStyle/>
             <a:p>
               <a:r>
-                <a:rPr lang="en-US" b="1"/>
-                <a:t>Logic, Command, Card Package</a:t>
+                <a:rPr lang="en-US" b="1" dirty="0"/>
+                <a:t>Logic, Command</a:t>
               </a:r>
             </a:p>
           </p:txBody>
@@ -4401,7 +4484,7 @@
           </p:nvSpPr>
           <p:spPr>
             <a:xfrm>
-              <a:off x="6430182" y="1839797"/>
+              <a:off x="6430182" y="1175123"/>
               <a:ext cx="238306" cy="98868"/>
             </a:xfrm>
             <a:prstGeom prst="triangle">
@@ -4460,8 +4543,8 @@
           </p:nvCxnSpPr>
           <p:spPr>
             <a:xfrm>
-              <a:off x="3034684" y="2247003"/>
-              <a:ext cx="7203440" cy="0"/>
+              <a:off x="3051238" y="2481177"/>
+              <a:ext cx="7203439" cy="0"/>
             </a:xfrm>
             <a:prstGeom prst="line">
               <a:avLst/>
@@ -4505,9 +4588,9 @@
             <p:nvPr/>
           </p:nvCxnSpPr>
           <p:spPr>
-            <a:xfrm flipH="1" flipV="1">
-              <a:off x="6549335" y="1938665"/>
-              <a:ext cx="2024" cy="308338"/>
+            <a:xfrm flipV="1">
+              <a:off x="6549335" y="1273991"/>
+              <a:ext cx="0" cy="1207186"/>
             </a:xfrm>
             <a:prstGeom prst="line">
               <a:avLst/>
@@ -4546,13 +4629,14 @@
             </p:cNvPr>
             <p:cNvCxnSpPr>
               <a:cxnSpLocks/>
+              <a:stCxn id="32" idx="0"/>
             </p:cNvCxnSpPr>
             <p:nvPr/>
           </p:nvCxnSpPr>
           <p:spPr>
             <a:xfrm flipV="1">
-              <a:off x="3034684" y="2254470"/>
-              <a:ext cx="0" cy="405581"/>
+              <a:off x="3051238" y="2481177"/>
+              <a:ext cx="0" cy="859478"/>
             </a:xfrm>
             <a:prstGeom prst="line">
               <a:avLst/>
@@ -4591,13 +4675,14 @@
             </p:cNvPr>
             <p:cNvCxnSpPr>
               <a:cxnSpLocks/>
+              <a:stCxn id="33" idx="0"/>
             </p:cNvCxnSpPr>
             <p:nvPr/>
           </p:nvCxnSpPr>
           <p:spPr>
             <a:xfrm flipV="1">
-              <a:off x="5422284" y="2254470"/>
-              <a:ext cx="0" cy="377143"/>
+              <a:off x="5438838" y="2481177"/>
+              <a:ext cx="0" cy="831040"/>
             </a:xfrm>
             <a:prstGeom prst="line">
               <a:avLst/>
@@ -4636,13 +4721,14 @@
             </p:cNvPr>
             <p:cNvCxnSpPr>
               <a:cxnSpLocks/>
+              <a:stCxn id="34" idx="0"/>
             </p:cNvCxnSpPr>
             <p:nvPr/>
           </p:nvCxnSpPr>
           <p:spPr>
             <a:xfrm flipV="1">
-              <a:off x="7769244" y="2247003"/>
-              <a:ext cx="0" cy="381269"/>
+              <a:off x="7785798" y="2481177"/>
+              <a:ext cx="0" cy="827699"/>
             </a:xfrm>
             <a:prstGeom prst="line">
               <a:avLst/>
@@ -4681,13 +4767,14 @@
             </p:cNvPr>
             <p:cNvCxnSpPr>
               <a:cxnSpLocks/>
+              <a:stCxn id="35" idx="0"/>
             </p:cNvCxnSpPr>
             <p:nvPr/>
           </p:nvCxnSpPr>
           <p:spPr>
-            <a:xfrm flipV="1">
-              <a:off x="10238124" y="2247003"/>
-              <a:ext cx="0" cy="381077"/>
+            <a:xfrm flipH="1" flipV="1">
+              <a:off x="10254677" y="2481177"/>
+              <a:ext cx="1" cy="827507"/>
             </a:xfrm>
             <a:prstGeom prst="line">
               <a:avLst/>
@@ -4731,8 +4818,8 @@
           </p:nvCxnSpPr>
           <p:spPr>
             <a:xfrm>
-              <a:off x="3034684" y="4610997"/>
-              <a:ext cx="7203440" cy="0"/>
+              <a:off x="3051238" y="4610996"/>
+              <a:ext cx="7186886" cy="1"/>
             </a:xfrm>
             <a:prstGeom prst="line">
               <a:avLst/>
@@ -4771,13 +4858,14 @@
             </p:cNvPr>
             <p:cNvCxnSpPr>
               <a:cxnSpLocks/>
+              <a:stCxn id="32" idx="2"/>
             </p:cNvCxnSpPr>
             <p:nvPr/>
           </p:nvCxnSpPr>
           <p:spPr>
             <a:xfrm>
-              <a:off x="3034684" y="3029383"/>
-              <a:ext cx="0" cy="1581614"/>
+              <a:off x="3051238" y="3709987"/>
+              <a:ext cx="0" cy="901009"/>
             </a:xfrm>
             <a:prstGeom prst="line">
               <a:avLst/>
@@ -4816,13 +4904,14 @@
             </p:cNvPr>
             <p:cNvCxnSpPr>
               <a:cxnSpLocks/>
+              <a:endCxn id="33" idx="2"/>
             </p:cNvCxnSpPr>
             <p:nvPr/>
           </p:nvCxnSpPr>
           <p:spPr>
             <a:xfrm flipV="1">
-              <a:off x="5422284" y="2997413"/>
-              <a:ext cx="0" cy="1613584"/>
+              <a:off x="5438838" y="3681549"/>
+              <a:ext cx="0" cy="929447"/>
             </a:xfrm>
             <a:prstGeom prst="line">
               <a:avLst/>
@@ -4861,13 +4950,14 @@
             </p:cNvPr>
             <p:cNvCxnSpPr>
               <a:cxnSpLocks/>
+              <a:endCxn id="34" idx="2"/>
             </p:cNvCxnSpPr>
             <p:nvPr/>
           </p:nvCxnSpPr>
           <p:spPr>
             <a:xfrm flipV="1">
-              <a:off x="7769244" y="2997412"/>
-              <a:ext cx="0" cy="1613584"/>
+              <a:off x="7785798" y="3678208"/>
+              <a:ext cx="0" cy="932788"/>
             </a:xfrm>
             <a:prstGeom prst="line">
               <a:avLst/>
@@ -4906,13 +4996,14 @@
             </p:cNvPr>
             <p:cNvCxnSpPr>
               <a:cxnSpLocks/>
+              <a:endCxn id="35" idx="2"/>
             </p:cNvCxnSpPr>
             <p:nvPr/>
           </p:nvCxnSpPr>
           <p:spPr>
             <a:xfrm flipV="1">
-              <a:off x="10241252" y="2997412"/>
-              <a:ext cx="0" cy="1613584"/>
+              <a:off x="10254678" y="3678016"/>
+              <a:ext cx="0" cy="932980"/>
             </a:xfrm>
             <a:prstGeom prst="line">
               <a:avLst/>
@@ -5000,13 +5091,14 @@
             </p:cNvPr>
             <p:cNvCxnSpPr>
               <a:cxnSpLocks/>
+              <a:endCxn id="30" idx="1"/>
             </p:cNvCxnSpPr>
             <p:nvPr/>
           </p:nvCxnSpPr>
           <p:spPr>
             <a:xfrm>
-              <a:off x="1093936" y="1636814"/>
-              <a:ext cx="4460029" cy="0"/>
+              <a:off x="1093936" y="959726"/>
+              <a:ext cx="4441902" cy="0"/>
             </a:xfrm>
             <a:prstGeom prst="straightConnector1">
               <a:avLst/>
@@ -5036,6 +5128,41 @@
           </p:style>
         </p:cxnSp>
       </p:grpSp>
+      <p:sp>
+        <p:nvSpPr>
+          <p:cNvPr id="85" name="Rectangle 84">
+            <a:extLst>
+              <a:ext uri="{FF2B5EF4-FFF2-40B4-BE49-F238E27FC236}">
+                <a16:creationId xmlns:a16="http://schemas.microsoft.com/office/drawing/2014/main" id="{75B3C6CC-A90D-6C48-83CC-AB4EE559F9CD}"/>
+              </a:ext>
+            </a:extLst>
+          </p:cNvPr>
+          <p:cNvSpPr/>
+          <p:nvPr/>
+        </p:nvSpPr>
+        <p:spPr>
+          <a:xfrm>
+            <a:off x="1303421" y="2207092"/>
+            <a:ext cx="1448025" cy="369332"/>
+          </a:xfrm>
+          <a:prstGeom prst="rect">
+            <a:avLst/>
+          </a:prstGeom>
+        </p:spPr>
+        <p:txBody>
+          <a:bodyPr wrap="none">
+            <a:spAutoFit/>
+          </a:bodyPr>
+          <a:lstStyle/>
+          <a:p>
+            <a:r>
+              <a:rPr lang="en-US" b="1" dirty="0"/>
+              <a:t>Card Package</a:t>
+            </a:r>
+            <a:endParaRPr lang="en-US" dirty="0"/>
+          </a:p>
+        </p:txBody>
+      </p:sp>
     </p:spTree>
     <p:extLst>
       <p:ext uri="{BB962C8B-B14F-4D97-AF65-F5344CB8AC3E}">

--- a/docs/diagrams/LogicCommandCardPackage.pptx
+++ b/docs/diagrams/LogicCommandCardPackage.pptx
@@ -197,7 +197,7 @@
           <a:p>
             <a:fld id="{1661B331-AB90-4B3E-BBBB-ADB86C3B3C53}" type="datetimeFigureOut">
               <a:rPr lang="en-SG" smtClean="0"/>
-              <a:t>8/11/19</a:t>
+              <a:t>9/11/19</a:t>
             </a:fld>
             <a:endParaRPr lang="en-SG"/>
           </a:p>
@@ -698,7 +698,7 @@
           <a:p>
             <a:fld id="{8E48A44F-7FCA-E248-9F13-647A0016D148}" type="datetimeFigureOut">
               <a:rPr lang="en-US" smtClean="0"/>
-              <a:t>11/8/19</a:t>
+              <a:t>11/9/19</a:t>
             </a:fld>
             <a:endParaRPr lang="en-US"/>
           </a:p>
@@ -898,7 +898,7 @@
           <a:p>
             <a:fld id="{8E48A44F-7FCA-E248-9F13-647A0016D148}" type="datetimeFigureOut">
               <a:rPr lang="en-US" smtClean="0"/>
-              <a:t>11/8/19</a:t>
+              <a:t>11/9/19</a:t>
             </a:fld>
             <a:endParaRPr lang="en-US"/>
           </a:p>
@@ -1108,7 +1108,7 @@
           <a:p>
             <a:fld id="{8E48A44F-7FCA-E248-9F13-647A0016D148}" type="datetimeFigureOut">
               <a:rPr lang="en-US" smtClean="0"/>
-              <a:t>11/8/19</a:t>
+              <a:t>11/9/19</a:t>
             </a:fld>
             <a:endParaRPr lang="en-US"/>
           </a:p>
@@ -1308,7 +1308,7 @@
           <a:p>
             <a:fld id="{8E48A44F-7FCA-E248-9F13-647A0016D148}" type="datetimeFigureOut">
               <a:rPr lang="en-US" smtClean="0"/>
-              <a:t>11/8/19</a:t>
+              <a:t>11/9/19</a:t>
             </a:fld>
             <a:endParaRPr lang="en-US"/>
           </a:p>
@@ -1584,7 +1584,7 @@
           <a:p>
             <a:fld id="{8E48A44F-7FCA-E248-9F13-647A0016D148}" type="datetimeFigureOut">
               <a:rPr lang="en-US" smtClean="0"/>
-              <a:t>11/8/19</a:t>
+              <a:t>11/9/19</a:t>
             </a:fld>
             <a:endParaRPr lang="en-US"/>
           </a:p>
@@ -1852,7 +1852,7 @@
           <a:p>
             <a:fld id="{8E48A44F-7FCA-E248-9F13-647A0016D148}" type="datetimeFigureOut">
               <a:rPr lang="en-US" smtClean="0"/>
-              <a:t>11/8/19</a:t>
+              <a:t>11/9/19</a:t>
             </a:fld>
             <a:endParaRPr lang="en-US"/>
           </a:p>
@@ -2267,7 +2267,7 @@
           <a:p>
             <a:fld id="{8E48A44F-7FCA-E248-9F13-647A0016D148}" type="datetimeFigureOut">
               <a:rPr lang="en-US" smtClean="0"/>
-              <a:t>11/8/19</a:t>
+              <a:t>11/9/19</a:t>
             </a:fld>
             <a:endParaRPr lang="en-US"/>
           </a:p>
@@ -2409,7 +2409,7 @@
           <a:p>
             <a:fld id="{8E48A44F-7FCA-E248-9F13-647A0016D148}" type="datetimeFigureOut">
               <a:rPr lang="en-US" smtClean="0"/>
-              <a:t>11/8/19</a:t>
+              <a:t>11/9/19</a:t>
             </a:fld>
             <a:endParaRPr lang="en-US"/>
           </a:p>
@@ -2522,7 +2522,7 @@
           <a:p>
             <a:fld id="{8E48A44F-7FCA-E248-9F13-647A0016D148}" type="datetimeFigureOut">
               <a:rPr lang="en-US" smtClean="0"/>
-              <a:t>11/8/19</a:t>
+              <a:t>11/9/19</a:t>
             </a:fld>
             <a:endParaRPr lang="en-US"/>
           </a:p>
@@ -2835,7 +2835,7 @@
           <a:p>
             <a:fld id="{8E48A44F-7FCA-E248-9F13-647A0016D148}" type="datetimeFigureOut">
               <a:rPr lang="en-US" smtClean="0"/>
-              <a:t>11/8/19</a:t>
+              <a:t>11/9/19</a:t>
             </a:fld>
             <a:endParaRPr lang="en-US"/>
           </a:p>
@@ -3124,7 +3124,7 @@
           <a:p>
             <a:fld id="{8E48A44F-7FCA-E248-9F13-647A0016D148}" type="datetimeFigureOut">
               <a:rPr lang="en-US" smtClean="0"/>
-              <a:t>11/8/19</a:t>
+              <a:t>11/9/19</a:t>
             </a:fld>
             <a:endParaRPr lang="en-US"/>
           </a:p>
@@ -3367,7 +3367,7 @@
           <a:p>
             <a:fld id="{8E48A44F-7FCA-E248-9F13-647A0016D148}" type="datetimeFigureOut">
               <a:rPr lang="en-US" smtClean="0"/>
-              <a:t>11/8/19</a:t>
+              <a:t>11/9/19</a:t>
             </a:fld>
             <a:endParaRPr lang="en-US"/>
           </a:p>
@@ -3798,8 +3798,8 @@
         </p:nvSpPr>
         <p:spPr>
           <a:xfrm>
-            <a:off x="1259153" y="2197287"/>
-            <a:ext cx="10563167" cy="3655029"/>
+            <a:off x="1259153" y="2050375"/>
+            <a:ext cx="10563167" cy="3801941"/>
           </a:xfrm>
           <a:prstGeom prst="roundRect">
             <a:avLst>
@@ -3882,7 +3882,7 @@
           <p:spPr>
             <a:xfrm>
               <a:off x="1245599" y="283939"/>
-              <a:ext cx="10563167" cy="1814480"/>
+              <a:ext cx="10563167" cy="1667568"/>
             </a:xfrm>
             <a:prstGeom prst="roundRect">
               <a:avLst>
@@ -5142,8 +5142,8 @@
         </p:nvSpPr>
         <p:spPr>
           <a:xfrm>
-            <a:off x="1303421" y="2207092"/>
-            <a:ext cx="1448025" cy="369332"/>
+            <a:off x="1303421" y="2062375"/>
+            <a:ext cx="3135987" cy="369332"/>
           </a:xfrm>
           <a:prstGeom prst="rect">
             <a:avLst/>
@@ -5157,7 +5157,7 @@
           <a:p>
             <a:r>
               <a:rPr lang="en-US" b="1" dirty="0"/>
-              <a:t>Card Package</a:t>
+              <a:t>Logic, Command, Card Package</a:t>
             </a:r>
             <a:endParaRPr lang="en-US" dirty="0"/>
           </a:p>
